--- a/ppt 16-9/0870.如何见主.pptx
+++ b/ppt 16-9/0870.如何见主.pptx
@@ -129,7 +129,7 @@
           <p:cNvPr id="2" name="标题 1">
             <a:extLst>
               <a:ext uri="{FF2B5EF4-FFF2-40B4-BE49-F238E27FC236}">
-                <a16:creationId xmlns:a16="http://schemas.microsoft.com/office/drawing/2014/main" id="{8E3C4614-A81A-423F-AC7F-E5C0AAE89C6D}"/>
+                <a16:creationId xmlns:a16="http://schemas.microsoft.com/office/drawing/2014/main" id="{E57B5447-7720-DC5B-2574-B449B4DF60C3}"/>
               </a:ext>
             </a:extLst>
           </p:cNvPr>
@@ -166,7 +166,7 @@
           <p:cNvPr id="3" name="副标题 2">
             <a:extLst>
               <a:ext uri="{FF2B5EF4-FFF2-40B4-BE49-F238E27FC236}">
-                <a16:creationId xmlns:a16="http://schemas.microsoft.com/office/drawing/2014/main" id="{11AECBF5-D565-2BB6-015A-50F010C0B2A7}"/>
+                <a16:creationId xmlns:a16="http://schemas.microsoft.com/office/drawing/2014/main" id="{CCC493EB-25AC-A2BD-2A6B-E7FA2D51280E}"/>
               </a:ext>
             </a:extLst>
           </p:cNvPr>
@@ -236,7 +236,7 @@
           <p:cNvPr id="4" name="日期占位符 3">
             <a:extLst>
               <a:ext uri="{FF2B5EF4-FFF2-40B4-BE49-F238E27FC236}">
-                <a16:creationId xmlns:a16="http://schemas.microsoft.com/office/drawing/2014/main" id="{3AC88209-5425-E9ED-7791-FADC75D62E51}"/>
+                <a16:creationId xmlns:a16="http://schemas.microsoft.com/office/drawing/2014/main" id="{D63AA67D-95CC-5C14-0340-E3173D937C1B}"/>
               </a:ext>
             </a:extLst>
           </p:cNvPr>
@@ -252,7 +252,7 @@
           <a:bodyPr/>
           <a:lstStyle/>
           <a:p>
-            <a:fld id="{93B203A3-D479-4FAE-BB61-329677584704}" type="datetimeFigureOut">
+            <a:fld id="{6D4235E7-6A92-40A9-8AF7-321885807DA6}" type="datetimeFigureOut">
               <a:rPr lang="zh-CN" altLang="en-US" smtClean="0"/>
               <a:t>2024/3/10</a:t>
             </a:fld>
@@ -265,7 +265,7 @@
           <p:cNvPr id="5" name="页脚占位符 4">
             <a:extLst>
               <a:ext uri="{FF2B5EF4-FFF2-40B4-BE49-F238E27FC236}">
-                <a16:creationId xmlns:a16="http://schemas.microsoft.com/office/drawing/2014/main" id="{B75DB180-E148-D8EA-6D2F-24FE132CA5AA}"/>
+                <a16:creationId xmlns:a16="http://schemas.microsoft.com/office/drawing/2014/main" id="{D64E90F4-02DF-91C0-8BD2-B20D7D6C44EB}"/>
               </a:ext>
             </a:extLst>
           </p:cNvPr>
@@ -290,7 +290,7 @@
           <p:cNvPr id="6" name="灯片编号占位符 5">
             <a:extLst>
               <a:ext uri="{FF2B5EF4-FFF2-40B4-BE49-F238E27FC236}">
-                <a16:creationId xmlns:a16="http://schemas.microsoft.com/office/drawing/2014/main" id="{B2D9D9D4-11B0-9765-0535-90A6A87CC523}"/>
+                <a16:creationId xmlns:a16="http://schemas.microsoft.com/office/drawing/2014/main" id="{AB66F291-D1CD-B9FD-7919-F309D4108EDF}"/>
               </a:ext>
             </a:extLst>
           </p:cNvPr>
@@ -306,7 +306,7 @@
           <a:bodyPr/>
           <a:lstStyle/>
           <a:p>
-            <a:fld id="{990F99E1-9C6F-4372-A8C1-BD907702CCC2}" type="slidenum">
+            <a:fld id="{4CC41429-C860-4D07-976F-2FA167A8B050}" type="slidenum">
               <a:rPr lang="zh-CN" altLang="en-US" smtClean="0"/>
               <a:t>‹#›</a:t>
             </a:fld>
@@ -317,7 +317,7 @@
     </p:spTree>
     <p:extLst>
       <p:ext uri="{BB962C8B-B14F-4D97-AF65-F5344CB8AC3E}">
-        <p14:creationId xmlns:p14="http://schemas.microsoft.com/office/powerpoint/2010/main" val="3509671964"/>
+        <p14:creationId xmlns:p14="http://schemas.microsoft.com/office/powerpoint/2010/main" val="2065248339"/>
       </p:ext>
     </p:extLst>
   </p:cSld>
@@ -349,7 +349,7 @@
           <p:cNvPr id="2" name="标题 1">
             <a:extLst>
               <a:ext uri="{FF2B5EF4-FFF2-40B4-BE49-F238E27FC236}">
-                <a16:creationId xmlns:a16="http://schemas.microsoft.com/office/drawing/2014/main" id="{D5BF637A-C38D-5F18-7BCC-5B27E471C094}"/>
+                <a16:creationId xmlns:a16="http://schemas.microsoft.com/office/drawing/2014/main" id="{5EFBE723-9683-681D-EB3C-38F009910CC9}"/>
               </a:ext>
             </a:extLst>
           </p:cNvPr>
@@ -377,7 +377,7 @@
           <p:cNvPr id="3" name="竖排文字占位符 2">
             <a:extLst>
               <a:ext uri="{FF2B5EF4-FFF2-40B4-BE49-F238E27FC236}">
-                <a16:creationId xmlns:a16="http://schemas.microsoft.com/office/drawing/2014/main" id="{EF6C795B-464F-4B1B-B122-2339F856C00D}"/>
+                <a16:creationId xmlns:a16="http://schemas.microsoft.com/office/drawing/2014/main" id="{9536C2FB-0A56-D02A-7837-FEF503187198}"/>
               </a:ext>
             </a:extLst>
           </p:cNvPr>
@@ -434,7 +434,7 @@
           <p:cNvPr id="4" name="日期占位符 3">
             <a:extLst>
               <a:ext uri="{FF2B5EF4-FFF2-40B4-BE49-F238E27FC236}">
-                <a16:creationId xmlns:a16="http://schemas.microsoft.com/office/drawing/2014/main" id="{965B2E99-1028-79FA-8891-2570710AEC39}"/>
+                <a16:creationId xmlns:a16="http://schemas.microsoft.com/office/drawing/2014/main" id="{DE2F5B4E-C02A-96B4-A96D-E76109245863}"/>
               </a:ext>
             </a:extLst>
           </p:cNvPr>
@@ -450,7 +450,7 @@
           <a:bodyPr/>
           <a:lstStyle/>
           <a:p>
-            <a:fld id="{93B203A3-D479-4FAE-BB61-329677584704}" type="datetimeFigureOut">
+            <a:fld id="{6D4235E7-6A92-40A9-8AF7-321885807DA6}" type="datetimeFigureOut">
               <a:rPr lang="zh-CN" altLang="en-US" smtClean="0"/>
               <a:t>2024/3/10</a:t>
             </a:fld>
@@ -463,7 +463,7 @@
           <p:cNvPr id="5" name="页脚占位符 4">
             <a:extLst>
               <a:ext uri="{FF2B5EF4-FFF2-40B4-BE49-F238E27FC236}">
-                <a16:creationId xmlns:a16="http://schemas.microsoft.com/office/drawing/2014/main" id="{5F779961-CF31-1EFF-E0CA-EF66B2EF50B4}"/>
+                <a16:creationId xmlns:a16="http://schemas.microsoft.com/office/drawing/2014/main" id="{E96DBA30-B67D-7D2E-77CA-8D8A144054D6}"/>
               </a:ext>
             </a:extLst>
           </p:cNvPr>
@@ -488,7 +488,7 @@
           <p:cNvPr id="6" name="灯片编号占位符 5">
             <a:extLst>
               <a:ext uri="{FF2B5EF4-FFF2-40B4-BE49-F238E27FC236}">
-                <a16:creationId xmlns:a16="http://schemas.microsoft.com/office/drawing/2014/main" id="{659128E8-F237-A4C6-1652-A01D49C67277}"/>
+                <a16:creationId xmlns:a16="http://schemas.microsoft.com/office/drawing/2014/main" id="{E060E8FC-60B4-9D52-6D9E-08B9920A49B2}"/>
               </a:ext>
             </a:extLst>
           </p:cNvPr>
@@ -504,7 +504,7 @@
           <a:bodyPr/>
           <a:lstStyle/>
           <a:p>
-            <a:fld id="{990F99E1-9C6F-4372-A8C1-BD907702CCC2}" type="slidenum">
+            <a:fld id="{4CC41429-C860-4D07-976F-2FA167A8B050}" type="slidenum">
               <a:rPr lang="zh-CN" altLang="en-US" smtClean="0"/>
               <a:t>‹#›</a:t>
             </a:fld>
@@ -515,7 +515,7 @@
     </p:spTree>
     <p:extLst>
       <p:ext uri="{BB962C8B-B14F-4D97-AF65-F5344CB8AC3E}">
-        <p14:creationId xmlns:p14="http://schemas.microsoft.com/office/powerpoint/2010/main" val="2510442899"/>
+        <p14:creationId xmlns:p14="http://schemas.microsoft.com/office/powerpoint/2010/main" val="3050313135"/>
       </p:ext>
     </p:extLst>
   </p:cSld>
@@ -547,7 +547,7 @@
           <p:cNvPr id="2" name="竖排标题 1">
             <a:extLst>
               <a:ext uri="{FF2B5EF4-FFF2-40B4-BE49-F238E27FC236}">
-                <a16:creationId xmlns:a16="http://schemas.microsoft.com/office/drawing/2014/main" id="{3C9B9FA1-503F-2C39-E63E-69C579F3152B}"/>
+                <a16:creationId xmlns:a16="http://schemas.microsoft.com/office/drawing/2014/main" id="{371029F5-8E3B-08F8-A899-7FF27577CE25}"/>
               </a:ext>
             </a:extLst>
           </p:cNvPr>
@@ -580,7 +580,7 @@
           <p:cNvPr id="3" name="竖排文字占位符 2">
             <a:extLst>
               <a:ext uri="{FF2B5EF4-FFF2-40B4-BE49-F238E27FC236}">
-                <a16:creationId xmlns:a16="http://schemas.microsoft.com/office/drawing/2014/main" id="{FA890294-6013-6120-951C-AACCC4ED1701}"/>
+                <a16:creationId xmlns:a16="http://schemas.microsoft.com/office/drawing/2014/main" id="{5FE80464-556F-F25D-248A-26373FAADE8B}"/>
               </a:ext>
             </a:extLst>
           </p:cNvPr>
@@ -642,7 +642,7 @@
           <p:cNvPr id="4" name="日期占位符 3">
             <a:extLst>
               <a:ext uri="{FF2B5EF4-FFF2-40B4-BE49-F238E27FC236}">
-                <a16:creationId xmlns:a16="http://schemas.microsoft.com/office/drawing/2014/main" id="{BCF8E473-2A9A-4890-536F-6E25014E5511}"/>
+                <a16:creationId xmlns:a16="http://schemas.microsoft.com/office/drawing/2014/main" id="{B594979A-AE8B-B853-AA98-93114CAD50A8}"/>
               </a:ext>
             </a:extLst>
           </p:cNvPr>
@@ -658,7 +658,7 @@
           <a:bodyPr/>
           <a:lstStyle/>
           <a:p>
-            <a:fld id="{93B203A3-D479-4FAE-BB61-329677584704}" type="datetimeFigureOut">
+            <a:fld id="{6D4235E7-6A92-40A9-8AF7-321885807DA6}" type="datetimeFigureOut">
               <a:rPr lang="zh-CN" altLang="en-US" smtClean="0"/>
               <a:t>2024/3/10</a:t>
             </a:fld>
@@ -671,7 +671,7 @@
           <p:cNvPr id="5" name="页脚占位符 4">
             <a:extLst>
               <a:ext uri="{FF2B5EF4-FFF2-40B4-BE49-F238E27FC236}">
-                <a16:creationId xmlns:a16="http://schemas.microsoft.com/office/drawing/2014/main" id="{0E032DAC-9DC8-8441-2911-673CA909F7EB}"/>
+                <a16:creationId xmlns:a16="http://schemas.microsoft.com/office/drawing/2014/main" id="{12876ADF-9CE3-5E9F-3DCE-0D4BA5315FF4}"/>
               </a:ext>
             </a:extLst>
           </p:cNvPr>
@@ -696,7 +696,7 @@
           <p:cNvPr id="6" name="灯片编号占位符 5">
             <a:extLst>
               <a:ext uri="{FF2B5EF4-FFF2-40B4-BE49-F238E27FC236}">
-                <a16:creationId xmlns:a16="http://schemas.microsoft.com/office/drawing/2014/main" id="{C76EC4BC-E24F-63E2-EFD2-D4B780860690}"/>
+                <a16:creationId xmlns:a16="http://schemas.microsoft.com/office/drawing/2014/main" id="{D9F3F1B8-DE01-19EB-9025-223EA63DDA6C}"/>
               </a:ext>
             </a:extLst>
           </p:cNvPr>
@@ -712,7 +712,7 @@
           <a:bodyPr/>
           <a:lstStyle/>
           <a:p>
-            <a:fld id="{990F99E1-9C6F-4372-A8C1-BD907702CCC2}" type="slidenum">
+            <a:fld id="{4CC41429-C860-4D07-976F-2FA167A8B050}" type="slidenum">
               <a:rPr lang="zh-CN" altLang="en-US" smtClean="0"/>
               <a:t>‹#›</a:t>
             </a:fld>
@@ -723,7 +723,7 @@
     </p:spTree>
     <p:extLst>
       <p:ext uri="{BB962C8B-B14F-4D97-AF65-F5344CB8AC3E}">
-        <p14:creationId xmlns:p14="http://schemas.microsoft.com/office/powerpoint/2010/main" val="3847142126"/>
+        <p14:creationId xmlns:p14="http://schemas.microsoft.com/office/powerpoint/2010/main" val="948462626"/>
       </p:ext>
     </p:extLst>
   </p:cSld>
@@ -755,7 +755,7 @@
           <p:cNvPr id="2" name="标题 1">
             <a:extLst>
               <a:ext uri="{FF2B5EF4-FFF2-40B4-BE49-F238E27FC236}">
-                <a16:creationId xmlns:a16="http://schemas.microsoft.com/office/drawing/2014/main" id="{73EBCE2F-180C-4DAF-01AA-167F3628AC25}"/>
+                <a16:creationId xmlns:a16="http://schemas.microsoft.com/office/drawing/2014/main" id="{FAD16295-A730-DB93-7A32-2DDBDCE2EA7A}"/>
               </a:ext>
             </a:extLst>
           </p:cNvPr>
@@ -783,7 +783,7 @@
           <p:cNvPr id="3" name="内容占位符 2">
             <a:extLst>
               <a:ext uri="{FF2B5EF4-FFF2-40B4-BE49-F238E27FC236}">
-                <a16:creationId xmlns:a16="http://schemas.microsoft.com/office/drawing/2014/main" id="{A38FEAF6-3937-A3BA-2DBD-CB62848D77ED}"/>
+                <a16:creationId xmlns:a16="http://schemas.microsoft.com/office/drawing/2014/main" id="{D769D6C7-E8D9-374B-55FC-7E329A0A245C}"/>
               </a:ext>
             </a:extLst>
           </p:cNvPr>
@@ -840,7 +840,7 @@
           <p:cNvPr id="4" name="日期占位符 3">
             <a:extLst>
               <a:ext uri="{FF2B5EF4-FFF2-40B4-BE49-F238E27FC236}">
-                <a16:creationId xmlns:a16="http://schemas.microsoft.com/office/drawing/2014/main" id="{42E55C77-2976-AE3E-69CF-E2238E901083}"/>
+                <a16:creationId xmlns:a16="http://schemas.microsoft.com/office/drawing/2014/main" id="{9CF7F4A3-3632-CA95-F8A5-9D39929C02C8}"/>
               </a:ext>
             </a:extLst>
           </p:cNvPr>
@@ -856,7 +856,7 @@
           <a:bodyPr/>
           <a:lstStyle/>
           <a:p>
-            <a:fld id="{93B203A3-D479-4FAE-BB61-329677584704}" type="datetimeFigureOut">
+            <a:fld id="{6D4235E7-6A92-40A9-8AF7-321885807DA6}" type="datetimeFigureOut">
               <a:rPr lang="zh-CN" altLang="en-US" smtClean="0"/>
               <a:t>2024/3/10</a:t>
             </a:fld>
@@ -869,7 +869,7 @@
           <p:cNvPr id="5" name="页脚占位符 4">
             <a:extLst>
               <a:ext uri="{FF2B5EF4-FFF2-40B4-BE49-F238E27FC236}">
-                <a16:creationId xmlns:a16="http://schemas.microsoft.com/office/drawing/2014/main" id="{487DD658-0A14-CCDB-3EAF-2C7B42B7975A}"/>
+                <a16:creationId xmlns:a16="http://schemas.microsoft.com/office/drawing/2014/main" id="{13CBE896-71B0-B9A0-9695-6E22577C6FFC}"/>
               </a:ext>
             </a:extLst>
           </p:cNvPr>
@@ -894,7 +894,7 @@
           <p:cNvPr id="6" name="灯片编号占位符 5">
             <a:extLst>
               <a:ext uri="{FF2B5EF4-FFF2-40B4-BE49-F238E27FC236}">
-                <a16:creationId xmlns:a16="http://schemas.microsoft.com/office/drawing/2014/main" id="{B8763020-A374-69DA-B83B-BA3AEAC72D43}"/>
+                <a16:creationId xmlns:a16="http://schemas.microsoft.com/office/drawing/2014/main" id="{95590F27-39B6-50B6-EFCC-380EA6ADC6F0}"/>
               </a:ext>
             </a:extLst>
           </p:cNvPr>
@@ -910,7 +910,7 @@
           <a:bodyPr/>
           <a:lstStyle/>
           <a:p>
-            <a:fld id="{990F99E1-9C6F-4372-A8C1-BD907702CCC2}" type="slidenum">
+            <a:fld id="{4CC41429-C860-4D07-976F-2FA167A8B050}" type="slidenum">
               <a:rPr lang="zh-CN" altLang="en-US" smtClean="0"/>
               <a:t>‹#›</a:t>
             </a:fld>
@@ -921,7 +921,7 @@
     </p:spTree>
     <p:extLst>
       <p:ext uri="{BB962C8B-B14F-4D97-AF65-F5344CB8AC3E}">
-        <p14:creationId xmlns:p14="http://schemas.microsoft.com/office/powerpoint/2010/main" val="3995701521"/>
+        <p14:creationId xmlns:p14="http://schemas.microsoft.com/office/powerpoint/2010/main" val="1980679274"/>
       </p:ext>
     </p:extLst>
   </p:cSld>
@@ -953,7 +953,7 @@
           <p:cNvPr id="2" name="标题 1">
             <a:extLst>
               <a:ext uri="{FF2B5EF4-FFF2-40B4-BE49-F238E27FC236}">
-                <a16:creationId xmlns:a16="http://schemas.microsoft.com/office/drawing/2014/main" id="{B69E404F-7722-8CF2-1B6A-BEB55E6A8CB1}"/>
+                <a16:creationId xmlns:a16="http://schemas.microsoft.com/office/drawing/2014/main" id="{3C568F96-1F11-446E-D459-3798124C75CA}"/>
               </a:ext>
             </a:extLst>
           </p:cNvPr>
@@ -990,7 +990,7 @@
           <p:cNvPr id="3" name="文本占位符 2">
             <a:extLst>
               <a:ext uri="{FF2B5EF4-FFF2-40B4-BE49-F238E27FC236}">
-                <a16:creationId xmlns:a16="http://schemas.microsoft.com/office/drawing/2014/main" id="{D7EECEB6-BDE0-ECA3-B49F-7772707C5C34}"/>
+                <a16:creationId xmlns:a16="http://schemas.microsoft.com/office/drawing/2014/main" id="{DFEF17A6-4414-C05D-E78B-A6AC824BF1C9}"/>
               </a:ext>
             </a:extLst>
           </p:cNvPr>
@@ -1115,7 +1115,7 @@
           <p:cNvPr id="4" name="日期占位符 3">
             <a:extLst>
               <a:ext uri="{FF2B5EF4-FFF2-40B4-BE49-F238E27FC236}">
-                <a16:creationId xmlns:a16="http://schemas.microsoft.com/office/drawing/2014/main" id="{C1CE02D4-105A-66AA-0182-ECF0A4DD4E5D}"/>
+                <a16:creationId xmlns:a16="http://schemas.microsoft.com/office/drawing/2014/main" id="{B283CA1C-B75E-C26D-2536-C7396D2310AB}"/>
               </a:ext>
             </a:extLst>
           </p:cNvPr>
@@ -1131,7 +1131,7 @@
           <a:bodyPr/>
           <a:lstStyle/>
           <a:p>
-            <a:fld id="{93B203A3-D479-4FAE-BB61-329677584704}" type="datetimeFigureOut">
+            <a:fld id="{6D4235E7-6A92-40A9-8AF7-321885807DA6}" type="datetimeFigureOut">
               <a:rPr lang="zh-CN" altLang="en-US" smtClean="0"/>
               <a:t>2024/3/10</a:t>
             </a:fld>
@@ -1144,7 +1144,7 @@
           <p:cNvPr id="5" name="页脚占位符 4">
             <a:extLst>
               <a:ext uri="{FF2B5EF4-FFF2-40B4-BE49-F238E27FC236}">
-                <a16:creationId xmlns:a16="http://schemas.microsoft.com/office/drawing/2014/main" id="{08F5EFE6-30EF-3E18-BD68-36E76447D78B}"/>
+                <a16:creationId xmlns:a16="http://schemas.microsoft.com/office/drawing/2014/main" id="{E2FD6DE8-DC0A-CA8C-D38B-14A8A77E7276}"/>
               </a:ext>
             </a:extLst>
           </p:cNvPr>
@@ -1169,7 +1169,7 @@
           <p:cNvPr id="6" name="灯片编号占位符 5">
             <a:extLst>
               <a:ext uri="{FF2B5EF4-FFF2-40B4-BE49-F238E27FC236}">
-                <a16:creationId xmlns:a16="http://schemas.microsoft.com/office/drawing/2014/main" id="{CF152F1C-FE66-5060-24DD-C1DD63CBBED7}"/>
+                <a16:creationId xmlns:a16="http://schemas.microsoft.com/office/drawing/2014/main" id="{90803324-E07B-B363-0334-BB07F64F216C}"/>
               </a:ext>
             </a:extLst>
           </p:cNvPr>
@@ -1185,7 +1185,7 @@
           <a:bodyPr/>
           <a:lstStyle/>
           <a:p>
-            <a:fld id="{990F99E1-9C6F-4372-A8C1-BD907702CCC2}" type="slidenum">
+            <a:fld id="{4CC41429-C860-4D07-976F-2FA167A8B050}" type="slidenum">
               <a:rPr lang="zh-CN" altLang="en-US" smtClean="0"/>
               <a:t>‹#›</a:t>
             </a:fld>
@@ -1196,7 +1196,7 @@
     </p:spTree>
     <p:extLst>
       <p:ext uri="{BB962C8B-B14F-4D97-AF65-F5344CB8AC3E}">
-        <p14:creationId xmlns:p14="http://schemas.microsoft.com/office/powerpoint/2010/main" val="3260207729"/>
+        <p14:creationId xmlns:p14="http://schemas.microsoft.com/office/powerpoint/2010/main" val="2968324377"/>
       </p:ext>
     </p:extLst>
   </p:cSld>
@@ -1228,7 +1228,7 @@
           <p:cNvPr id="2" name="标题 1">
             <a:extLst>
               <a:ext uri="{FF2B5EF4-FFF2-40B4-BE49-F238E27FC236}">
-                <a16:creationId xmlns:a16="http://schemas.microsoft.com/office/drawing/2014/main" id="{31B34488-9F10-2D9D-728C-91A59F7ADF86}"/>
+                <a16:creationId xmlns:a16="http://schemas.microsoft.com/office/drawing/2014/main" id="{481B3BDD-96D3-082A-5633-C7D9DF8970D9}"/>
               </a:ext>
             </a:extLst>
           </p:cNvPr>
@@ -1256,7 +1256,7 @@
           <p:cNvPr id="3" name="内容占位符 2">
             <a:extLst>
               <a:ext uri="{FF2B5EF4-FFF2-40B4-BE49-F238E27FC236}">
-                <a16:creationId xmlns:a16="http://schemas.microsoft.com/office/drawing/2014/main" id="{AEA73323-70D1-15D7-6C7F-5D74C6C09A01}"/>
+                <a16:creationId xmlns:a16="http://schemas.microsoft.com/office/drawing/2014/main" id="{86EF8CCF-366C-C54B-1CC8-A0854674F5B3}"/>
               </a:ext>
             </a:extLst>
           </p:cNvPr>
@@ -1318,7 +1318,7 @@
           <p:cNvPr id="4" name="内容占位符 3">
             <a:extLst>
               <a:ext uri="{FF2B5EF4-FFF2-40B4-BE49-F238E27FC236}">
-                <a16:creationId xmlns:a16="http://schemas.microsoft.com/office/drawing/2014/main" id="{3FBFB391-D511-BA80-8532-C06D2C9195B1}"/>
+                <a16:creationId xmlns:a16="http://schemas.microsoft.com/office/drawing/2014/main" id="{F0483255-5817-75F2-AC40-09351A8B3502}"/>
               </a:ext>
             </a:extLst>
           </p:cNvPr>
@@ -1380,7 +1380,7 @@
           <p:cNvPr id="5" name="日期占位符 4">
             <a:extLst>
               <a:ext uri="{FF2B5EF4-FFF2-40B4-BE49-F238E27FC236}">
-                <a16:creationId xmlns:a16="http://schemas.microsoft.com/office/drawing/2014/main" id="{454D71B4-EE54-E6B4-358C-244748089C86}"/>
+                <a16:creationId xmlns:a16="http://schemas.microsoft.com/office/drawing/2014/main" id="{F3710A98-72E7-AA30-2C83-15C193977E9D}"/>
               </a:ext>
             </a:extLst>
           </p:cNvPr>
@@ -1396,7 +1396,7 @@
           <a:bodyPr/>
           <a:lstStyle/>
           <a:p>
-            <a:fld id="{93B203A3-D479-4FAE-BB61-329677584704}" type="datetimeFigureOut">
+            <a:fld id="{6D4235E7-6A92-40A9-8AF7-321885807DA6}" type="datetimeFigureOut">
               <a:rPr lang="zh-CN" altLang="en-US" smtClean="0"/>
               <a:t>2024/3/10</a:t>
             </a:fld>
@@ -1409,7 +1409,7 @@
           <p:cNvPr id="6" name="页脚占位符 5">
             <a:extLst>
               <a:ext uri="{FF2B5EF4-FFF2-40B4-BE49-F238E27FC236}">
-                <a16:creationId xmlns:a16="http://schemas.microsoft.com/office/drawing/2014/main" id="{1ABFDCD3-5627-A8D8-CB19-ABBC54044C8C}"/>
+                <a16:creationId xmlns:a16="http://schemas.microsoft.com/office/drawing/2014/main" id="{97C086BA-1A59-BDB0-F447-7692161B88C5}"/>
               </a:ext>
             </a:extLst>
           </p:cNvPr>
@@ -1434,7 +1434,7 @@
           <p:cNvPr id="7" name="灯片编号占位符 6">
             <a:extLst>
               <a:ext uri="{FF2B5EF4-FFF2-40B4-BE49-F238E27FC236}">
-                <a16:creationId xmlns:a16="http://schemas.microsoft.com/office/drawing/2014/main" id="{94C08608-F2C9-DAF7-E87D-41803CC486BD}"/>
+                <a16:creationId xmlns:a16="http://schemas.microsoft.com/office/drawing/2014/main" id="{7ED9EEE6-7459-62A6-F4A0-18A5D3209400}"/>
               </a:ext>
             </a:extLst>
           </p:cNvPr>
@@ -1450,7 +1450,7 @@
           <a:bodyPr/>
           <a:lstStyle/>
           <a:p>
-            <a:fld id="{990F99E1-9C6F-4372-A8C1-BD907702CCC2}" type="slidenum">
+            <a:fld id="{4CC41429-C860-4D07-976F-2FA167A8B050}" type="slidenum">
               <a:rPr lang="zh-CN" altLang="en-US" smtClean="0"/>
               <a:t>‹#›</a:t>
             </a:fld>
@@ -1461,7 +1461,7 @@
     </p:spTree>
     <p:extLst>
       <p:ext uri="{BB962C8B-B14F-4D97-AF65-F5344CB8AC3E}">
-        <p14:creationId xmlns:p14="http://schemas.microsoft.com/office/powerpoint/2010/main" val="4194808130"/>
+        <p14:creationId xmlns:p14="http://schemas.microsoft.com/office/powerpoint/2010/main" val="1464770226"/>
       </p:ext>
     </p:extLst>
   </p:cSld>
@@ -1493,7 +1493,7 @@
           <p:cNvPr id="2" name="标题 1">
             <a:extLst>
               <a:ext uri="{FF2B5EF4-FFF2-40B4-BE49-F238E27FC236}">
-                <a16:creationId xmlns:a16="http://schemas.microsoft.com/office/drawing/2014/main" id="{A4063B7F-9853-A0CD-CC07-91DC017196FB}"/>
+                <a16:creationId xmlns:a16="http://schemas.microsoft.com/office/drawing/2014/main" id="{0E5078BC-E919-0E4F-C7E0-FCBE6D3EBC93}"/>
               </a:ext>
             </a:extLst>
           </p:cNvPr>
@@ -1526,7 +1526,7 @@
           <p:cNvPr id="3" name="文本占位符 2">
             <a:extLst>
               <a:ext uri="{FF2B5EF4-FFF2-40B4-BE49-F238E27FC236}">
-                <a16:creationId xmlns:a16="http://schemas.microsoft.com/office/drawing/2014/main" id="{061E3B1B-C5BC-1021-E992-9F0EEE2FC9CD}"/>
+                <a16:creationId xmlns:a16="http://schemas.microsoft.com/office/drawing/2014/main" id="{5B3C4EE3-5C36-2BBA-F57E-155447871B68}"/>
               </a:ext>
             </a:extLst>
           </p:cNvPr>
@@ -1597,7 +1597,7 @@
           <p:cNvPr id="4" name="内容占位符 3">
             <a:extLst>
               <a:ext uri="{FF2B5EF4-FFF2-40B4-BE49-F238E27FC236}">
-                <a16:creationId xmlns:a16="http://schemas.microsoft.com/office/drawing/2014/main" id="{06270A3A-7E12-55F7-3C3A-2C72B08987D3}"/>
+                <a16:creationId xmlns:a16="http://schemas.microsoft.com/office/drawing/2014/main" id="{E2D0BB52-F113-5683-1B06-329937EF999F}"/>
               </a:ext>
             </a:extLst>
           </p:cNvPr>
@@ -1659,7 +1659,7 @@
           <p:cNvPr id="5" name="文本占位符 4">
             <a:extLst>
               <a:ext uri="{FF2B5EF4-FFF2-40B4-BE49-F238E27FC236}">
-                <a16:creationId xmlns:a16="http://schemas.microsoft.com/office/drawing/2014/main" id="{ED6DA243-7792-E04E-3A09-83E0DCF52159}"/>
+                <a16:creationId xmlns:a16="http://schemas.microsoft.com/office/drawing/2014/main" id="{AB15ACF6-63E8-B312-3F98-59E8CD585BAC}"/>
               </a:ext>
             </a:extLst>
           </p:cNvPr>
@@ -1730,7 +1730,7 @@
           <p:cNvPr id="6" name="内容占位符 5">
             <a:extLst>
               <a:ext uri="{FF2B5EF4-FFF2-40B4-BE49-F238E27FC236}">
-                <a16:creationId xmlns:a16="http://schemas.microsoft.com/office/drawing/2014/main" id="{9B8EA8E4-A1F0-1E46-6C8F-C17DE13E8D0D}"/>
+                <a16:creationId xmlns:a16="http://schemas.microsoft.com/office/drawing/2014/main" id="{626121D7-0370-221E-3078-9EDBAC005905}"/>
               </a:ext>
             </a:extLst>
           </p:cNvPr>
@@ -1792,7 +1792,7 @@
           <p:cNvPr id="7" name="日期占位符 6">
             <a:extLst>
               <a:ext uri="{FF2B5EF4-FFF2-40B4-BE49-F238E27FC236}">
-                <a16:creationId xmlns:a16="http://schemas.microsoft.com/office/drawing/2014/main" id="{792ECCC4-E4B3-00AF-9961-577F73499793}"/>
+                <a16:creationId xmlns:a16="http://schemas.microsoft.com/office/drawing/2014/main" id="{7C05D1E0-BA94-BBD8-E5AB-352136286DFB}"/>
               </a:ext>
             </a:extLst>
           </p:cNvPr>
@@ -1808,7 +1808,7 @@
           <a:bodyPr/>
           <a:lstStyle/>
           <a:p>
-            <a:fld id="{93B203A3-D479-4FAE-BB61-329677584704}" type="datetimeFigureOut">
+            <a:fld id="{6D4235E7-6A92-40A9-8AF7-321885807DA6}" type="datetimeFigureOut">
               <a:rPr lang="zh-CN" altLang="en-US" smtClean="0"/>
               <a:t>2024/3/10</a:t>
             </a:fld>
@@ -1821,7 +1821,7 @@
           <p:cNvPr id="8" name="页脚占位符 7">
             <a:extLst>
               <a:ext uri="{FF2B5EF4-FFF2-40B4-BE49-F238E27FC236}">
-                <a16:creationId xmlns:a16="http://schemas.microsoft.com/office/drawing/2014/main" id="{CF908152-28D5-4352-1C68-6437A75F619F}"/>
+                <a16:creationId xmlns:a16="http://schemas.microsoft.com/office/drawing/2014/main" id="{19DC75A2-B6DD-C5DF-4E5F-5C1025B448ED}"/>
               </a:ext>
             </a:extLst>
           </p:cNvPr>
@@ -1846,7 +1846,7 @@
           <p:cNvPr id="9" name="灯片编号占位符 8">
             <a:extLst>
               <a:ext uri="{FF2B5EF4-FFF2-40B4-BE49-F238E27FC236}">
-                <a16:creationId xmlns:a16="http://schemas.microsoft.com/office/drawing/2014/main" id="{422280CA-CC1F-08AB-FFA8-45AD0F642010}"/>
+                <a16:creationId xmlns:a16="http://schemas.microsoft.com/office/drawing/2014/main" id="{656402E2-6C85-F4D7-F80B-A7C0F4591236}"/>
               </a:ext>
             </a:extLst>
           </p:cNvPr>
@@ -1862,7 +1862,7 @@
           <a:bodyPr/>
           <a:lstStyle/>
           <a:p>
-            <a:fld id="{990F99E1-9C6F-4372-A8C1-BD907702CCC2}" type="slidenum">
+            <a:fld id="{4CC41429-C860-4D07-976F-2FA167A8B050}" type="slidenum">
               <a:rPr lang="zh-CN" altLang="en-US" smtClean="0"/>
               <a:t>‹#›</a:t>
             </a:fld>
@@ -1873,7 +1873,7 @@
     </p:spTree>
     <p:extLst>
       <p:ext uri="{BB962C8B-B14F-4D97-AF65-F5344CB8AC3E}">
-        <p14:creationId xmlns:p14="http://schemas.microsoft.com/office/powerpoint/2010/main" val="3478902697"/>
+        <p14:creationId xmlns:p14="http://schemas.microsoft.com/office/powerpoint/2010/main" val="4106398729"/>
       </p:ext>
     </p:extLst>
   </p:cSld>
@@ -1905,7 +1905,7 @@
           <p:cNvPr id="2" name="标题 1">
             <a:extLst>
               <a:ext uri="{FF2B5EF4-FFF2-40B4-BE49-F238E27FC236}">
-                <a16:creationId xmlns:a16="http://schemas.microsoft.com/office/drawing/2014/main" id="{8640042F-514B-960E-2D63-EB44C886312C}"/>
+                <a16:creationId xmlns:a16="http://schemas.microsoft.com/office/drawing/2014/main" id="{3ADF5ABC-9313-5460-91E9-AAFD8D4E55FC}"/>
               </a:ext>
             </a:extLst>
           </p:cNvPr>
@@ -1933,7 +1933,7 @@
           <p:cNvPr id="3" name="日期占位符 2">
             <a:extLst>
               <a:ext uri="{FF2B5EF4-FFF2-40B4-BE49-F238E27FC236}">
-                <a16:creationId xmlns:a16="http://schemas.microsoft.com/office/drawing/2014/main" id="{3F0B0462-B8EE-D1F6-CE8B-F92B38C88AB7}"/>
+                <a16:creationId xmlns:a16="http://schemas.microsoft.com/office/drawing/2014/main" id="{E318F551-C22E-F8CF-E549-DACAFC22D2B4}"/>
               </a:ext>
             </a:extLst>
           </p:cNvPr>
@@ -1949,7 +1949,7 @@
           <a:bodyPr/>
           <a:lstStyle/>
           <a:p>
-            <a:fld id="{93B203A3-D479-4FAE-BB61-329677584704}" type="datetimeFigureOut">
+            <a:fld id="{6D4235E7-6A92-40A9-8AF7-321885807DA6}" type="datetimeFigureOut">
               <a:rPr lang="zh-CN" altLang="en-US" smtClean="0"/>
               <a:t>2024/3/10</a:t>
             </a:fld>
@@ -1962,7 +1962,7 @@
           <p:cNvPr id="4" name="页脚占位符 3">
             <a:extLst>
               <a:ext uri="{FF2B5EF4-FFF2-40B4-BE49-F238E27FC236}">
-                <a16:creationId xmlns:a16="http://schemas.microsoft.com/office/drawing/2014/main" id="{C75399B1-EFC1-411E-43C6-E943B2BD528D}"/>
+                <a16:creationId xmlns:a16="http://schemas.microsoft.com/office/drawing/2014/main" id="{3E2F0128-124D-E083-1CA6-C4730F9D660F}"/>
               </a:ext>
             </a:extLst>
           </p:cNvPr>
@@ -1987,7 +1987,7 @@
           <p:cNvPr id="5" name="灯片编号占位符 4">
             <a:extLst>
               <a:ext uri="{FF2B5EF4-FFF2-40B4-BE49-F238E27FC236}">
-                <a16:creationId xmlns:a16="http://schemas.microsoft.com/office/drawing/2014/main" id="{B96AEF2E-B542-D6E8-CB0A-50ACFAB670F9}"/>
+                <a16:creationId xmlns:a16="http://schemas.microsoft.com/office/drawing/2014/main" id="{4CB57C0C-6F1D-7459-5F7E-DDBA0ADCF6EF}"/>
               </a:ext>
             </a:extLst>
           </p:cNvPr>
@@ -2003,7 +2003,7 @@
           <a:bodyPr/>
           <a:lstStyle/>
           <a:p>
-            <a:fld id="{990F99E1-9C6F-4372-A8C1-BD907702CCC2}" type="slidenum">
+            <a:fld id="{4CC41429-C860-4D07-976F-2FA167A8B050}" type="slidenum">
               <a:rPr lang="zh-CN" altLang="en-US" smtClean="0"/>
               <a:t>‹#›</a:t>
             </a:fld>
@@ -2014,7 +2014,7 @@
     </p:spTree>
     <p:extLst>
       <p:ext uri="{BB962C8B-B14F-4D97-AF65-F5344CB8AC3E}">
-        <p14:creationId xmlns:p14="http://schemas.microsoft.com/office/powerpoint/2010/main" val="3668992935"/>
+        <p14:creationId xmlns:p14="http://schemas.microsoft.com/office/powerpoint/2010/main" val="2209371030"/>
       </p:ext>
     </p:extLst>
   </p:cSld>
@@ -2046,7 +2046,7 @@
           <p:cNvPr id="2" name="日期占位符 1">
             <a:extLst>
               <a:ext uri="{FF2B5EF4-FFF2-40B4-BE49-F238E27FC236}">
-                <a16:creationId xmlns:a16="http://schemas.microsoft.com/office/drawing/2014/main" id="{CCD29223-07A8-56B6-9E2A-39F897AA9024}"/>
+                <a16:creationId xmlns:a16="http://schemas.microsoft.com/office/drawing/2014/main" id="{650E37B8-8450-9CFA-F46D-9684305281F4}"/>
               </a:ext>
             </a:extLst>
           </p:cNvPr>
@@ -2062,7 +2062,7 @@
           <a:bodyPr/>
           <a:lstStyle/>
           <a:p>
-            <a:fld id="{93B203A3-D479-4FAE-BB61-329677584704}" type="datetimeFigureOut">
+            <a:fld id="{6D4235E7-6A92-40A9-8AF7-321885807DA6}" type="datetimeFigureOut">
               <a:rPr lang="zh-CN" altLang="en-US" smtClean="0"/>
               <a:t>2024/3/10</a:t>
             </a:fld>
@@ -2075,7 +2075,7 @@
           <p:cNvPr id="3" name="页脚占位符 2">
             <a:extLst>
               <a:ext uri="{FF2B5EF4-FFF2-40B4-BE49-F238E27FC236}">
-                <a16:creationId xmlns:a16="http://schemas.microsoft.com/office/drawing/2014/main" id="{286BF817-B488-010D-2CC5-CBDDA877B926}"/>
+                <a16:creationId xmlns:a16="http://schemas.microsoft.com/office/drawing/2014/main" id="{5B464B39-3845-BF05-E1F2-4485587DB972}"/>
               </a:ext>
             </a:extLst>
           </p:cNvPr>
@@ -2100,7 +2100,7 @@
           <p:cNvPr id="4" name="灯片编号占位符 3">
             <a:extLst>
               <a:ext uri="{FF2B5EF4-FFF2-40B4-BE49-F238E27FC236}">
-                <a16:creationId xmlns:a16="http://schemas.microsoft.com/office/drawing/2014/main" id="{41D1B9F6-03D2-34CC-BDDA-D45D596F1EA8}"/>
+                <a16:creationId xmlns:a16="http://schemas.microsoft.com/office/drawing/2014/main" id="{270E4440-7661-C91A-352F-B75D542C2368}"/>
               </a:ext>
             </a:extLst>
           </p:cNvPr>
@@ -2116,7 +2116,7 @@
           <a:bodyPr/>
           <a:lstStyle/>
           <a:p>
-            <a:fld id="{990F99E1-9C6F-4372-A8C1-BD907702CCC2}" type="slidenum">
+            <a:fld id="{4CC41429-C860-4D07-976F-2FA167A8B050}" type="slidenum">
               <a:rPr lang="zh-CN" altLang="en-US" smtClean="0"/>
               <a:t>‹#›</a:t>
             </a:fld>
@@ -2127,7 +2127,7 @@
     </p:spTree>
     <p:extLst>
       <p:ext uri="{BB962C8B-B14F-4D97-AF65-F5344CB8AC3E}">
-        <p14:creationId xmlns:p14="http://schemas.microsoft.com/office/powerpoint/2010/main" val="8131380"/>
+        <p14:creationId xmlns:p14="http://schemas.microsoft.com/office/powerpoint/2010/main" val="3521561256"/>
       </p:ext>
     </p:extLst>
   </p:cSld>
@@ -2159,7 +2159,7 @@
           <p:cNvPr id="2" name="标题 1">
             <a:extLst>
               <a:ext uri="{FF2B5EF4-FFF2-40B4-BE49-F238E27FC236}">
-                <a16:creationId xmlns:a16="http://schemas.microsoft.com/office/drawing/2014/main" id="{C81DDB64-F01D-582C-05FB-ED1838D5F563}"/>
+                <a16:creationId xmlns:a16="http://schemas.microsoft.com/office/drawing/2014/main" id="{14F9F844-D8A0-56D7-68F8-AA8E32894769}"/>
               </a:ext>
             </a:extLst>
           </p:cNvPr>
@@ -2196,7 +2196,7 @@
           <p:cNvPr id="3" name="内容占位符 2">
             <a:extLst>
               <a:ext uri="{FF2B5EF4-FFF2-40B4-BE49-F238E27FC236}">
-                <a16:creationId xmlns:a16="http://schemas.microsoft.com/office/drawing/2014/main" id="{F0332D83-4694-077E-C29F-64D88D9CBE91}"/>
+                <a16:creationId xmlns:a16="http://schemas.microsoft.com/office/drawing/2014/main" id="{3335D11C-8335-808E-AE93-577DE90F9079}"/>
               </a:ext>
             </a:extLst>
           </p:cNvPr>
@@ -2286,7 +2286,7 @@
           <p:cNvPr id="4" name="文本占位符 3">
             <a:extLst>
               <a:ext uri="{FF2B5EF4-FFF2-40B4-BE49-F238E27FC236}">
-                <a16:creationId xmlns:a16="http://schemas.microsoft.com/office/drawing/2014/main" id="{12EA1C78-24EF-327B-22BD-B267769D9B71}"/>
+                <a16:creationId xmlns:a16="http://schemas.microsoft.com/office/drawing/2014/main" id="{26758FDC-563C-D520-60AA-8356C2A2AC55}"/>
               </a:ext>
             </a:extLst>
           </p:cNvPr>
@@ -2357,7 +2357,7 @@
           <p:cNvPr id="5" name="日期占位符 4">
             <a:extLst>
               <a:ext uri="{FF2B5EF4-FFF2-40B4-BE49-F238E27FC236}">
-                <a16:creationId xmlns:a16="http://schemas.microsoft.com/office/drawing/2014/main" id="{BDB12B1F-3B78-2022-327D-420BDDA5B11A}"/>
+                <a16:creationId xmlns:a16="http://schemas.microsoft.com/office/drawing/2014/main" id="{DD1A411F-C5B0-F4B3-EF30-2C55EA9AA75A}"/>
               </a:ext>
             </a:extLst>
           </p:cNvPr>
@@ -2373,7 +2373,7 @@
           <a:bodyPr/>
           <a:lstStyle/>
           <a:p>
-            <a:fld id="{93B203A3-D479-4FAE-BB61-329677584704}" type="datetimeFigureOut">
+            <a:fld id="{6D4235E7-6A92-40A9-8AF7-321885807DA6}" type="datetimeFigureOut">
               <a:rPr lang="zh-CN" altLang="en-US" smtClean="0"/>
               <a:t>2024/3/10</a:t>
             </a:fld>
@@ -2386,7 +2386,7 @@
           <p:cNvPr id="6" name="页脚占位符 5">
             <a:extLst>
               <a:ext uri="{FF2B5EF4-FFF2-40B4-BE49-F238E27FC236}">
-                <a16:creationId xmlns:a16="http://schemas.microsoft.com/office/drawing/2014/main" id="{C4E6FEAD-2601-F1D8-5164-255C8AE841F2}"/>
+                <a16:creationId xmlns:a16="http://schemas.microsoft.com/office/drawing/2014/main" id="{5E8545E3-2E18-DD7B-4983-C419CBB3793F}"/>
               </a:ext>
             </a:extLst>
           </p:cNvPr>
@@ -2411,7 +2411,7 @@
           <p:cNvPr id="7" name="灯片编号占位符 6">
             <a:extLst>
               <a:ext uri="{FF2B5EF4-FFF2-40B4-BE49-F238E27FC236}">
-                <a16:creationId xmlns:a16="http://schemas.microsoft.com/office/drawing/2014/main" id="{ECC930A1-73B2-1232-EDFC-A66900DCBE4F}"/>
+                <a16:creationId xmlns:a16="http://schemas.microsoft.com/office/drawing/2014/main" id="{9F138762-BC65-A219-1C30-C52807592888}"/>
               </a:ext>
             </a:extLst>
           </p:cNvPr>
@@ -2427,7 +2427,7 @@
           <a:bodyPr/>
           <a:lstStyle/>
           <a:p>
-            <a:fld id="{990F99E1-9C6F-4372-A8C1-BD907702CCC2}" type="slidenum">
+            <a:fld id="{4CC41429-C860-4D07-976F-2FA167A8B050}" type="slidenum">
               <a:rPr lang="zh-CN" altLang="en-US" smtClean="0"/>
               <a:t>‹#›</a:t>
             </a:fld>
@@ -2438,7 +2438,7 @@
     </p:spTree>
     <p:extLst>
       <p:ext uri="{BB962C8B-B14F-4D97-AF65-F5344CB8AC3E}">
-        <p14:creationId xmlns:p14="http://schemas.microsoft.com/office/powerpoint/2010/main" val="588954021"/>
+        <p14:creationId xmlns:p14="http://schemas.microsoft.com/office/powerpoint/2010/main" val="2569527972"/>
       </p:ext>
     </p:extLst>
   </p:cSld>
@@ -2470,7 +2470,7 @@
           <p:cNvPr id="2" name="标题 1">
             <a:extLst>
               <a:ext uri="{FF2B5EF4-FFF2-40B4-BE49-F238E27FC236}">
-                <a16:creationId xmlns:a16="http://schemas.microsoft.com/office/drawing/2014/main" id="{0F658AF7-581B-8A05-EACD-FFD39D106586}"/>
+                <a16:creationId xmlns:a16="http://schemas.microsoft.com/office/drawing/2014/main" id="{5D7E8DBB-DB82-CA53-3736-9ADA0504E59D}"/>
               </a:ext>
             </a:extLst>
           </p:cNvPr>
@@ -2507,7 +2507,7 @@
           <p:cNvPr id="3" name="图片占位符 2">
             <a:extLst>
               <a:ext uri="{FF2B5EF4-FFF2-40B4-BE49-F238E27FC236}">
-                <a16:creationId xmlns:a16="http://schemas.microsoft.com/office/drawing/2014/main" id="{0C0F8708-257E-5704-CF40-E21C9A0A3F29}"/>
+                <a16:creationId xmlns:a16="http://schemas.microsoft.com/office/drawing/2014/main" id="{5A2C090A-9A3A-50ED-2635-B8071B757E0E}"/>
               </a:ext>
             </a:extLst>
           </p:cNvPr>
@@ -2574,7 +2574,7 @@
           <p:cNvPr id="4" name="文本占位符 3">
             <a:extLst>
               <a:ext uri="{FF2B5EF4-FFF2-40B4-BE49-F238E27FC236}">
-                <a16:creationId xmlns:a16="http://schemas.microsoft.com/office/drawing/2014/main" id="{96ACDD9A-8054-F676-0196-E748A685A475}"/>
+                <a16:creationId xmlns:a16="http://schemas.microsoft.com/office/drawing/2014/main" id="{09C5080D-D87E-A277-E417-B47B21F2B9DC}"/>
               </a:ext>
             </a:extLst>
           </p:cNvPr>
@@ -2645,7 +2645,7 @@
           <p:cNvPr id="5" name="日期占位符 4">
             <a:extLst>
               <a:ext uri="{FF2B5EF4-FFF2-40B4-BE49-F238E27FC236}">
-                <a16:creationId xmlns:a16="http://schemas.microsoft.com/office/drawing/2014/main" id="{40F3AEE1-8A38-819C-7177-E284084F56C5}"/>
+                <a16:creationId xmlns:a16="http://schemas.microsoft.com/office/drawing/2014/main" id="{704861AD-2637-00EF-8BB5-54970BE6FB4D}"/>
               </a:ext>
             </a:extLst>
           </p:cNvPr>
@@ -2661,7 +2661,7 @@
           <a:bodyPr/>
           <a:lstStyle/>
           <a:p>
-            <a:fld id="{93B203A3-D479-4FAE-BB61-329677584704}" type="datetimeFigureOut">
+            <a:fld id="{6D4235E7-6A92-40A9-8AF7-321885807DA6}" type="datetimeFigureOut">
               <a:rPr lang="zh-CN" altLang="en-US" smtClean="0"/>
               <a:t>2024/3/10</a:t>
             </a:fld>
@@ -2674,7 +2674,7 @@
           <p:cNvPr id="6" name="页脚占位符 5">
             <a:extLst>
               <a:ext uri="{FF2B5EF4-FFF2-40B4-BE49-F238E27FC236}">
-                <a16:creationId xmlns:a16="http://schemas.microsoft.com/office/drawing/2014/main" id="{3681241A-CFC5-A373-9AAD-E40368C33C71}"/>
+                <a16:creationId xmlns:a16="http://schemas.microsoft.com/office/drawing/2014/main" id="{9DA70821-2F0C-B3FA-B401-3A90CC478821}"/>
               </a:ext>
             </a:extLst>
           </p:cNvPr>
@@ -2699,7 +2699,7 @@
           <p:cNvPr id="7" name="灯片编号占位符 6">
             <a:extLst>
               <a:ext uri="{FF2B5EF4-FFF2-40B4-BE49-F238E27FC236}">
-                <a16:creationId xmlns:a16="http://schemas.microsoft.com/office/drawing/2014/main" id="{C0AD8A52-006F-C9E2-195D-6221A93461A4}"/>
+                <a16:creationId xmlns:a16="http://schemas.microsoft.com/office/drawing/2014/main" id="{680143AF-1681-D7F0-8ECB-67AF20394ACD}"/>
               </a:ext>
             </a:extLst>
           </p:cNvPr>
@@ -2715,7 +2715,7 @@
           <a:bodyPr/>
           <a:lstStyle/>
           <a:p>
-            <a:fld id="{990F99E1-9C6F-4372-A8C1-BD907702CCC2}" type="slidenum">
+            <a:fld id="{4CC41429-C860-4D07-976F-2FA167A8B050}" type="slidenum">
               <a:rPr lang="zh-CN" altLang="en-US" smtClean="0"/>
               <a:t>‹#›</a:t>
             </a:fld>
@@ -2726,7 +2726,7 @@
     </p:spTree>
     <p:extLst>
       <p:ext uri="{BB962C8B-B14F-4D97-AF65-F5344CB8AC3E}">
-        <p14:creationId xmlns:p14="http://schemas.microsoft.com/office/powerpoint/2010/main" val="4177869677"/>
+        <p14:creationId xmlns:p14="http://schemas.microsoft.com/office/powerpoint/2010/main" val="2275472191"/>
       </p:ext>
     </p:extLst>
   </p:cSld>
@@ -2763,7 +2763,7 @@
           <p:cNvPr id="2" name="标题占位符 1">
             <a:extLst>
               <a:ext uri="{FF2B5EF4-FFF2-40B4-BE49-F238E27FC236}">
-                <a16:creationId xmlns:a16="http://schemas.microsoft.com/office/drawing/2014/main" id="{73E9CE1D-7044-9349-B0D2-5A669ABEBA1A}"/>
+                <a16:creationId xmlns:a16="http://schemas.microsoft.com/office/drawing/2014/main" id="{0E7225EE-4075-7FF1-2680-0D4696A7CC8A}"/>
               </a:ext>
             </a:extLst>
           </p:cNvPr>
@@ -2801,7 +2801,7 @@
           <p:cNvPr id="3" name="文本占位符 2">
             <a:extLst>
               <a:ext uri="{FF2B5EF4-FFF2-40B4-BE49-F238E27FC236}">
-                <a16:creationId xmlns:a16="http://schemas.microsoft.com/office/drawing/2014/main" id="{857572DD-7BD1-6D15-4EC3-B70427196782}"/>
+                <a16:creationId xmlns:a16="http://schemas.microsoft.com/office/drawing/2014/main" id="{195B4BCC-BFD8-6F57-1864-417C18E9A8AB}"/>
               </a:ext>
             </a:extLst>
           </p:cNvPr>
@@ -2868,7 +2868,7 @@
           <p:cNvPr id="4" name="日期占位符 3">
             <a:extLst>
               <a:ext uri="{FF2B5EF4-FFF2-40B4-BE49-F238E27FC236}">
-                <a16:creationId xmlns:a16="http://schemas.microsoft.com/office/drawing/2014/main" id="{6D922EAC-915E-ABEF-7B7F-9C10E32F3354}"/>
+                <a16:creationId xmlns:a16="http://schemas.microsoft.com/office/drawing/2014/main" id="{F1329F69-EEB1-6053-04A0-F8987798BAAD}"/>
               </a:ext>
             </a:extLst>
           </p:cNvPr>
@@ -2902,7 +2902,7 @@
             </a:lvl1pPr>
           </a:lstStyle>
           <a:p>
-            <a:fld id="{93B203A3-D479-4FAE-BB61-329677584704}" type="datetimeFigureOut">
+            <a:fld id="{6D4235E7-6A92-40A9-8AF7-321885807DA6}" type="datetimeFigureOut">
               <a:rPr lang="zh-CN" altLang="en-US" smtClean="0"/>
               <a:t>2024/3/10</a:t>
             </a:fld>
@@ -2915,7 +2915,7 @@
           <p:cNvPr id="5" name="页脚占位符 4">
             <a:extLst>
               <a:ext uri="{FF2B5EF4-FFF2-40B4-BE49-F238E27FC236}">
-                <a16:creationId xmlns:a16="http://schemas.microsoft.com/office/drawing/2014/main" id="{7BDA1CD9-E110-9AEB-D494-C5C19119670F}"/>
+                <a16:creationId xmlns:a16="http://schemas.microsoft.com/office/drawing/2014/main" id="{4DDE7A00-C240-717B-7B81-A8BF4A64B3E5}"/>
               </a:ext>
             </a:extLst>
           </p:cNvPr>
@@ -2958,7 +2958,7 @@
           <p:cNvPr id="6" name="灯片编号占位符 5">
             <a:extLst>
               <a:ext uri="{FF2B5EF4-FFF2-40B4-BE49-F238E27FC236}">
-                <a16:creationId xmlns:a16="http://schemas.microsoft.com/office/drawing/2014/main" id="{152B7E6F-9E10-56A9-398C-E2C4711C1379}"/>
+                <a16:creationId xmlns:a16="http://schemas.microsoft.com/office/drawing/2014/main" id="{786C6A45-DEC1-10C9-F031-B06F24AB0591}"/>
               </a:ext>
             </a:extLst>
           </p:cNvPr>
@@ -2992,7 +2992,7 @@
             </a:lvl1pPr>
           </a:lstStyle>
           <a:p>
-            <a:fld id="{990F99E1-9C6F-4372-A8C1-BD907702CCC2}" type="slidenum">
+            <a:fld id="{4CC41429-C860-4D07-976F-2FA167A8B050}" type="slidenum">
               <a:rPr lang="zh-CN" altLang="en-US" smtClean="0"/>
               <a:t>‹#›</a:t>
             </a:fld>
@@ -3003,7 +3003,7 @@
     </p:spTree>
     <p:extLst>
       <p:ext uri="{BB962C8B-B14F-4D97-AF65-F5344CB8AC3E}">
-        <p14:creationId xmlns:p14="http://schemas.microsoft.com/office/powerpoint/2010/main" val="3603135308"/>
+        <p14:creationId xmlns:p14="http://schemas.microsoft.com/office/powerpoint/2010/main" val="702836989"/>
       </p:ext>
     </p:extLst>
   </p:cSld>
